--- a/Blood Bank Management System ppt.pptx
+++ b/Blood Bank Management System ppt.pptx
@@ -216,7 +216,7 @@
           <a:p>
             <a:fld id="{A89B275D-541D-4444-ADC2-0727441B87D0}" type="datetimeFigureOut">
               <a:rPr lang="en-IN" smtClean="0"/>
-              <a:t>05-12-2024</a:t>
+              <a:t>29-01-2025</a:t>
             </a:fld>
             <a:endParaRPr lang="en-IN"/>
           </a:p>
@@ -1214,7 +1214,7 @@
           <a:p>
             <a:fld id="{7F5E7260-B45B-4F0C-BD0A-2E02E6034B36}" type="datetimeFigureOut">
               <a:rPr lang="en-IN" smtClean="0"/>
-              <a:t>05-12-2024</a:t>
+              <a:t>29-01-2025</a:t>
             </a:fld>
             <a:endParaRPr lang="en-IN"/>
           </a:p>
@@ -2334,7 +2334,7 @@
           <a:p>
             <a:fld id="{7F5E7260-B45B-4F0C-BD0A-2E02E6034B36}" type="datetimeFigureOut">
               <a:rPr lang="en-IN" smtClean="0"/>
-              <a:t>05-12-2024</a:t>
+              <a:t>29-01-2025</a:t>
             </a:fld>
             <a:endParaRPr lang="en-IN"/>
           </a:p>
@@ -3345,7 +3345,7 @@
           <a:p>
             <a:fld id="{7F5E7260-B45B-4F0C-BD0A-2E02E6034B36}" type="datetimeFigureOut">
               <a:rPr lang="en-IN" smtClean="0"/>
-              <a:t>05-12-2024</a:t>
+              <a:t>29-01-2025</a:t>
             </a:fld>
             <a:endParaRPr lang="en-IN"/>
           </a:p>
@@ -4515,7 +4515,7 @@
           <a:p>
             <a:fld id="{7F5E7260-B45B-4F0C-BD0A-2E02E6034B36}" type="datetimeFigureOut">
               <a:rPr lang="en-IN" smtClean="0"/>
-              <a:t>05-12-2024</a:t>
+              <a:t>29-01-2025</a:t>
             </a:fld>
             <a:endParaRPr lang="en-IN"/>
           </a:p>
@@ -5576,7 +5576,7 @@
           <a:p>
             <a:fld id="{7F5E7260-B45B-4F0C-BD0A-2E02E6034B36}" type="datetimeFigureOut">
               <a:rPr lang="en-IN" smtClean="0"/>
-              <a:t>05-12-2024</a:t>
+              <a:t>29-01-2025</a:t>
             </a:fld>
             <a:endParaRPr lang="en-IN"/>
           </a:p>
@@ -6222,7 +6222,7 @@
           <a:p>
             <a:fld id="{7F5E7260-B45B-4F0C-BD0A-2E02E6034B36}" type="datetimeFigureOut">
               <a:rPr lang="en-IN" smtClean="0"/>
-              <a:t>05-12-2024</a:t>
+              <a:t>29-01-2025</a:t>
             </a:fld>
             <a:endParaRPr lang="en-IN"/>
           </a:p>
@@ -7069,7 +7069,7 @@
           <a:p>
             <a:fld id="{7F5E7260-B45B-4F0C-BD0A-2E02E6034B36}" type="datetimeFigureOut">
               <a:rPr lang="en-IN" smtClean="0"/>
-              <a:t>05-12-2024</a:t>
+              <a:t>29-01-2025</a:t>
             </a:fld>
             <a:endParaRPr lang="en-IN"/>
           </a:p>
@@ -7244,7 +7244,7 @@
           <a:p>
             <a:fld id="{7F5E7260-B45B-4F0C-BD0A-2E02E6034B36}" type="datetimeFigureOut">
               <a:rPr lang="en-IN" smtClean="0"/>
-              <a:t>05-12-2024</a:t>
+              <a:t>29-01-2025</a:t>
             </a:fld>
             <a:endParaRPr lang="en-IN"/>
           </a:p>
@@ -8242,7 +8242,7 @@
           <a:p>
             <a:fld id="{7F5E7260-B45B-4F0C-BD0A-2E02E6034B36}" type="datetimeFigureOut">
               <a:rPr lang="en-IN" smtClean="0"/>
-              <a:t>05-12-2024</a:t>
+              <a:t>29-01-2025</a:t>
             </a:fld>
             <a:endParaRPr lang="en-IN"/>
           </a:p>
@@ -8448,7 +8448,7 @@
           <a:p>
             <a:fld id="{7F5E7260-B45B-4F0C-BD0A-2E02E6034B36}" type="datetimeFigureOut">
               <a:rPr lang="en-IN" smtClean="0"/>
-              <a:t>05-12-2024</a:t>
+              <a:t>29-01-2025</a:t>
             </a:fld>
             <a:endParaRPr lang="en-IN"/>
           </a:p>
@@ -9510,7 +9510,7 @@
           <a:p>
             <a:fld id="{7F5E7260-B45B-4F0C-BD0A-2E02E6034B36}" type="datetimeFigureOut">
               <a:rPr lang="en-IN" smtClean="0"/>
-              <a:t>05-12-2024</a:t>
+              <a:t>29-01-2025</a:t>
             </a:fld>
             <a:endParaRPr lang="en-IN"/>
           </a:p>
@@ -9782,7 +9782,7 @@
           <a:p>
             <a:fld id="{7F5E7260-B45B-4F0C-BD0A-2E02E6034B36}" type="datetimeFigureOut">
               <a:rPr lang="en-IN" smtClean="0"/>
-              <a:t>05-12-2024</a:t>
+              <a:t>29-01-2025</a:t>
             </a:fld>
             <a:endParaRPr lang="en-IN"/>
           </a:p>
@@ -10164,7 +10164,7 @@
           <a:p>
             <a:fld id="{7F5E7260-B45B-4F0C-BD0A-2E02E6034B36}" type="datetimeFigureOut">
               <a:rPr lang="en-IN" smtClean="0"/>
-              <a:t>05-12-2024</a:t>
+              <a:t>29-01-2025</a:t>
             </a:fld>
             <a:endParaRPr lang="en-IN"/>
           </a:p>
@@ -10282,7 +10282,7 @@
           <a:p>
             <a:fld id="{7F5E7260-B45B-4F0C-BD0A-2E02E6034B36}" type="datetimeFigureOut">
               <a:rPr lang="en-IN" smtClean="0"/>
-              <a:t>05-12-2024</a:t>
+              <a:t>29-01-2025</a:t>
             </a:fld>
             <a:endParaRPr lang="en-IN"/>
           </a:p>
@@ -10377,7 +10377,7 @@
           <a:p>
             <a:fld id="{7F5E7260-B45B-4F0C-BD0A-2E02E6034B36}" type="datetimeFigureOut">
               <a:rPr lang="en-IN" smtClean="0"/>
-              <a:t>05-12-2024</a:t>
+              <a:t>29-01-2025</a:t>
             </a:fld>
             <a:endParaRPr lang="en-IN"/>
           </a:p>
@@ -11486,7 +11486,7 @@
           <a:p>
             <a:fld id="{7F5E7260-B45B-4F0C-BD0A-2E02E6034B36}" type="datetimeFigureOut">
               <a:rPr lang="en-IN" smtClean="0"/>
-              <a:t>05-12-2024</a:t>
+              <a:t>29-01-2025</a:t>
             </a:fld>
             <a:endParaRPr lang="en-IN"/>
           </a:p>
@@ -12619,7 +12619,7 @@
           <a:p>
             <a:fld id="{7F5E7260-B45B-4F0C-BD0A-2E02E6034B36}" type="datetimeFigureOut">
               <a:rPr lang="en-IN" smtClean="0"/>
-              <a:t>05-12-2024</a:t>
+              <a:t>29-01-2025</a:t>
             </a:fld>
             <a:endParaRPr lang="en-IN"/>
           </a:p>
@@ -13647,7 +13647,7 @@
           <a:p>
             <a:fld id="{7F5E7260-B45B-4F0C-BD0A-2E02E6034B36}" type="datetimeFigureOut">
               <a:rPr lang="en-IN" smtClean="0"/>
-              <a:t>05-12-2024</a:t>
+              <a:t>29-01-2025</a:t>
             </a:fld>
             <a:endParaRPr lang="en-IN"/>
           </a:p>
@@ -17776,7 +17776,7 @@
         </p:blipFill>
         <p:spPr>
           <a:xfrm>
-            <a:off x="7264037" y="2627870"/>
+            <a:off x="765750" y="2527869"/>
             <a:ext cx="3446546" cy="1702261"/>
           </a:xfrm>
           <a:prstGeom prst="rect">
@@ -17812,7 +17812,7 @@
         </p:blipFill>
         <p:spPr>
           <a:xfrm>
-            <a:off x="7264037" y="4699463"/>
+            <a:off x="7049067" y="2527869"/>
             <a:ext cx="3689100" cy="1998988"/>
           </a:xfrm>
           <a:prstGeom prst="rect">
@@ -17822,10 +17822,10 @@
       </p:pic>
       <p:pic>
         <p:nvPicPr>
-          <p:cNvPr id="10" name="Picture 9">
+          <p:cNvPr id="12" name="Picture 11">
             <a:extLst>
               <a:ext uri="{FF2B5EF4-FFF2-40B4-BE49-F238E27FC236}">
-                <a16:creationId xmlns:a16="http://schemas.microsoft.com/office/drawing/2014/main" id="{C378FF89-73B2-4020-D9CD-CB0A8D706477}"/>
+                <a16:creationId xmlns:a16="http://schemas.microsoft.com/office/drawing/2014/main" id="{B6138CFE-3E8F-E4CD-4F07-BEEB5E974266}"/>
               </a:ext>
             </a:extLst>
           </p:cNvPr>
@@ -17848,43 +17848,7 @@
         </p:blipFill>
         <p:spPr>
           <a:xfrm>
-            <a:off x="522570" y="2609232"/>
-            <a:ext cx="5475107" cy="1628238"/>
-          </a:xfrm>
-          <a:prstGeom prst="rect">
-            <a:avLst/>
-          </a:prstGeom>
-        </p:spPr>
-      </p:pic>
-      <p:pic>
-        <p:nvPicPr>
-          <p:cNvPr id="12" name="Picture 11">
-            <a:extLst>
-              <a:ext uri="{FF2B5EF4-FFF2-40B4-BE49-F238E27FC236}">
-                <a16:creationId xmlns:a16="http://schemas.microsoft.com/office/drawing/2014/main" id="{B6138CFE-3E8F-E4CD-4F07-BEEB5E974266}"/>
-              </a:ext>
-            </a:extLst>
-          </p:cNvPr>
-          <p:cNvPicPr>
-            <a:picLocks noChangeAspect="1"/>
-          </p:cNvPicPr>
-          <p:nvPr/>
-        </p:nvPicPr>
-        <p:blipFill>
-          <a:blip r:embed="rId5">
-            <a:extLst>
-              <a:ext uri="{28A0092B-C50C-407E-A947-70E740481C1C}">
-                <a14:useLocalDpi xmlns:a14="http://schemas.microsoft.com/office/drawing/2010/main" val="0"/>
-              </a:ext>
-            </a:extLst>
-          </a:blip>
-          <a:stretch>
-            <a:fillRect/>
-          </a:stretch>
-        </p:blipFill>
-        <p:spPr>
-          <a:xfrm>
-            <a:off x="424249" y="4699463"/>
+            <a:off x="2489023" y="4781260"/>
             <a:ext cx="5573429" cy="2076740"/>
           </a:xfrm>
           <a:prstGeom prst="rect">
@@ -17892,71 +17856,6 @@
           </a:prstGeom>
         </p:spPr>
       </p:pic>
-      <p:sp>
-        <p:nvSpPr>
-          <p:cNvPr id="4" name="TextBox 3">
-            <a:extLst>
-              <a:ext uri="{FF2B5EF4-FFF2-40B4-BE49-F238E27FC236}">
-                <a16:creationId xmlns:a16="http://schemas.microsoft.com/office/drawing/2014/main" id="{F1D0CD7D-8270-2945-9EF2-6ED64CF9FD81}"/>
-              </a:ext>
-            </a:extLst>
-          </p:cNvPr>
-          <p:cNvSpPr txBox="1"/>
-          <p:nvPr/>
-        </p:nvSpPr>
-        <p:spPr>
-          <a:xfrm>
-            <a:off x="502904" y="2239900"/>
-            <a:ext cx="934065" cy="369332"/>
-          </a:xfrm>
-          <a:prstGeom prst="rect">
-            <a:avLst/>
-          </a:prstGeom>
-          <a:noFill/>
-        </p:spPr>
-        <p:txBody>
-          <a:bodyPr wrap="square">
-            <a:spAutoFit/>
-          </a:bodyPr>
-          <a:lstStyle/>
-          <a:p>
-            <a:pPr marL="0" marR="0" lvl="0" indent="0" algn="l" defTabSz="914400" rtl="0" eaLnBrk="0" fontAlgn="base" latinLnBrk="0" hangingPunct="0">
-              <a:lnSpc>
-                <a:spcPct val="100000"/>
-              </a:lnSpc>
-              <a:spcBef>
-                <a:spcPct val="0"/>
-              </a:spcBef>
-              <a:spcAft>
-                <a:spcPct val="0"/>
-              </a:spcAft>
-              <a:buClrTx/>
-              <a:buSzTx/>
-              <a:buNone/>
-              <a:tabLst/>
-            </a:pPr>
-            <a:r>
-              <a:rPr lang="en-US" altLang="en-US" b="1" dirty="0">
-                <a:latin typeface="Arial" panose="020B0604020202020204" pitchFamily="34" charset="0"/>
-              </a:rPr>
-              <a:t>Select</a:t>
-            </a:r>
-            <a:r>
-              <a:rPr kumimoji="0" lang="en-US" altLang="en-US" sz="1800" b="1" i="0" u="none" strike="noStrike" cap="none" normalizeH="0" baseline="0" dirty="0">
-                <a:ln>
-                  <a:noFill/>
-                </a:ln>
-                <a:solidFill>
-                  <a:schemeClr val="tx1"/>
-                </a:solidFill>
-                <a:effectLst/>
-                <a:latin typeface="Arial" panose="020B0604020202020204" pitchFamily="34" charset="0"/>
-              </a:rPr>
-              <a:t>:</a:t>
-            </a:r>
-          </a:p>
-        </p:txBody>
-      </p:sp>
       <p:sp>
         <p:nvSpPr>
           <p:cNvPr id="7" name="TextBox 6">
@@ -17971,7 +17870,7 @@
         </p:nvSpPr>
         <p:spPr>
           <a:xfrm>
-            <a:off x="7089058" y="2252513"/>
+            <a:off x="765750" y="1976739"/>
             <a:ext cx="1061884" cy="369332"/>
           </a:xfrm>
           <a:prstGeom prst="rect">
@@ -18036,7 +17935,7 @@
         </p:nvSpPr>
         <p:spPr>
           <a:xfrm>
-            <a:off x="522570" y="4330131"/>
+            <a:off x="4564171" y="4342191"/>
             <a:ext cx="894735" cy="369332"/>
           </a:xfrm>
           <a:prstGeom prst="rect">
@@ -18101,7 +18000,7 @@
         </p:nvSpPr>
         <p:spPr>
           <a:xfrm>
-            <a:off x="7089058" y="4330131"/>
+            <a:off x="6803923" y="2158537"/>
             <a:ext cx="973394" cy="369332"/>
           </a:xfrm>
           <a:prstGeom prst="rect">
